--- a/_book/plot/unnamed-chunk-67-1.pptx
+++ b/_book/plot/unnamed-chunk-67-1.pptx
@@ -3218,7 +3218,7 @@
           </p:nvSpPr>
           <p:spPr>
             <a:xfrm>
-              <a:off x="2594759" y="1590617"/>
+              <a:off x="3144989" y="1590617"/>
               <a:ext cx="0" cy="4048310"/>
             </a:xfrm>
             <a:custGeom>
@@ -3261,7 +3261,7 @@
           </p:nvSpPr>
           <p:spPr>
             <a:xfrm>
-              <a:off x="3737180" y="1590617"/>
+              <a:off x="5387869" y="1590617"/>
               <a:ext cx="0" cy="4048310"/>
             </a:xfrm>
             <a:custGeom>
@@ -3304,7 +3304,7 @@
           </p:nvSpPr>
           <p:spPr>
             <a:xfrm>
-              <a:off x="4879601" y="1590617"/>
+              <a:off x="7630749" y="1590617"/>
               <a:ext cx="0" cy="4048310"/>
             </a:xfrm>
             <a:custGeom>
@@ -3347,136 +3347,7 @@
           </p:nvSpPr>
           <p:spPr>
             <a:xfrm>
-              <a:off x="6022022" y="1590617"/>
-              <a:ext cx="0" cy="4048310"/>
-            </a:xfrm>
-            <a:custGeom>
-              <a:avLst/>
-              <a:pathLst>
-                <a:path w="0" h="4048310">
-                  <a:moveTo>
-                    <a:pt x="0" y="4048310"/>
-                  </a:moveTo>
-                  <a:lnTo>
-                    <a:pt x="0" y="0"/>
-                  </a:lnTo>
-                  <a:lnTo>
-                    <a:pt x="0" y="0"/>
-                  </a:lnTo>
-                </a:path>
-              </a:pathLst>
-            </a:custGeom>
-            <a:ln w="3387" cap="flat">
-              <a:solidFill>
-                <a:srgbClr val="DEDEDE">
-                  <a:alpha val="100000"/>
-                </a:srgbClr>
-              </a:solidFill>
-              <a:prstDash val="solid"/>
-              <a:round/>
-            </a:ln>
-          </p:spPr>
-          <p:txBody>
-            <a:bodyPr/>
-            <a:lstStyle/>
-            <a:p/>
-          </p:txBody>
-        </p:sp>
-        <p:sp>
-          <p:nvSpPr>
-            <p:cNvPr id="10" name="pl10"/>
-            <p:cNvSpPr/>
-            <p:nvPr/>
-          </p:nvSpPr>
-          <p:spPr>
-            <a:xfrm>
-              <a:off x="7164443" y="1590617"/>
-              <a:ext cx="0" cy="4048310"/>
-            </a:xfrm>
-            <a:custGeom>
-              <a:avLst/>
-              <a:pathLst>
-                <a:path w="0" h="4048310">
-                  <a:moveTo>
-                    <a:pt x="0" y="4048310"/>
-                  </a:moveTo>
-                  <a:lnTo>
-                    <a:pt x="0" y="0"/>
-                  </a:lnTo>
-                  <a:lnTo>
-                    <a:pt x="0" y="0"/>
-                  </a:lnTo>
-                </a:path>
-              </a:pathLst>
-            </a:custGeom>
-            <a:ln w="3387" cap="flat">
-              <a:solidFill>
-                <a:srgbClr val="DEDEDE">
-                  <a:alpha val="100000"/>
-                </a:srgbClr>
-              </a:solidFill>
-              <a:prstDash val="solid"/>
-              <a:round/>
-            </a:ln>
-          </p:spPr>
-          <p:txBody>
-            <a:bodyPr/>
-            <a:lstStyle/>
-            <a:p/>
-          </p:txBody>
-        </p:sp>
-        <p:sp>
-          <p:nvSpPr>
-            <p:cNvPr id="11" name="pl11"/>
-            <p:cNvSpPr/>
-            <p:nvPr/>
-          </p:nvSpPr>
-          <p:spPr>
-            <a:xfrm>
-              <a:off x="8306864" y="1590617"/>
-              <a:ext cx="0" cy="4048310"/>
-            </a:xfrm>
-            <a:custGeom>
-              <a:avLst/>
-              <a:pathLst>
-                <a:path w="0" h="4048310">
-                  <a:moveTo>
-                    <a:pt x="0" y="4048310"/>
-                  </a:moveTo>
-                  <a:lnTo>
-                    <a:pt x="0" y="0"/>
-                  </a:lnTo>
-                  <a:lnTo>
-                    <a:pt x="0" y="0"/>
-                  </a:lnTo>
-                </a:path>
-              </a:pathLst>
-            </a:custGeom>
-            <a:ln w="3387" cap="flat">
-              <a:solidFill>
-                <a:srgbClr val="DEDEDE">
-                  <a:alpha val="100000"/>
-                </a:srgbClr>
-              </a:solidFill>
-              <a:prstDash val="solid"/>
-              <a:round/>
-            </a:ln>
-          </p:spPr>
-          <p:txBody>
-            <a:bodyPr/>
-            <a:lstStyle/>
-            <a:p/>
-          </p:txBody>
-        </p:sp>
-        <p:sp>
-          <p:nvSpPr>
-            <p:cNvPr id="12" name="pl12"/>
-            <p:cNvSpPr/>
-            <p:nvPr/>
-          </p:nvSpPr>
-          <p:spPr>
-            <a:xfrm>
-              <a:off x="2023549" y="5342710"/>
+              <a:off x="2023549" y="5374907"/>
               <a:ext cx="6913543" cy="0"/>
             </a:xfrm>
             <a:custGeom>
@@ -3513,13 +3384,13 @@
         </p:sp>
         <p:sp>
           <p:nvSpPr>
-            <p:cNvPr id="13" name="pl13"/>
-            <p:cNvSpPr/>
-            <p:nvPr/>
-          </p:nvSpPr>
-          <p:spPr>
-            <a:xfrm>
-              <a:off x="2023549" y="4849013"/>
+            <p:cNvPr id="10" name="pl10"/>
+            <p:cNvSpPr/>
+            <p:nvPr/>
+          </p:nvSpPr>
+          <p:spPr>
+            <a:xfrm>
+              <a:off x="2023549" y="4934873"/>
               <a:ext cx="6913543" cy="0"/>
             </a:xfrm>
             <a:custGeom>
@@ -3556,13 +3427,13 @@
         </p:sp>
         <p:sp>
           <p:nvSpPr>
-            <p:cNvPr id="14" name="pl14"/>
-            <p:cNvSpPr/>
-            <p:nvPr/>
-          </p:nvSpPr>
-          <p:spPr>
-            <a:xfrm>
-              <a:off x="2023549" y="4355317"/>
+            <p:cNvPr id="11" name="pl11"/>
+            <p:cNvSpPr/>
+            <p:nvPr/>
+          </p:nvSpPr>
+          <p:spPr>
+            <a:xfrm>
+              <a:off x="2023549" y="4494840"/>
               <a:ext cx="6913543" cy="0"/>
             </a:xfrm>
             <a:custGeom>
@@ -3599,13 +3470,13 @@
         </p:sp>
         <p:sp>
           <p:nvSpPr>
-            <p:cNvPr id="15" name="pl15"/>
-            <p:cNvSpPr/>
-            <p:nvPr/>
-          </p:nvSpPr>
-          <p:spPr>
-            <a:xfrm>
-              <a:off x="2023549" y="3861620"/>
+            <p:cNvPr id="12" name="pl12"/>
+            <p:cNvSpPr/>
+            <p:nvPr/>
+          </p:nvSpPr>
+          <p:spPr>
+            <a:xfrm>
+              <a:off x="2023549" y="4054806"/>
               <a:ext cx="6913543" cy="0"/>
             </a:xfrm>
             <a:custGeom>
@@ -3642,13 +3513,13 @@
         </p:sp>
         <p:sp>
           <p:nvSpPr>
-            <p:cNvPr id="16" name="pl16"/>
-            <p:cNvSpPr/>
-            <p:nvPr/>
-          </p:nvSpPr>
-          <p:spPr>
-            <a:xfrm>
-              <a:off x="2023549" y="3367924"/>
+            <p:cNvPr id="13" name="pl13"/>
+            <p:cNvSpPr/>
+            <p:nvPr/>
+          </p:nvSpPr>
+          <p:spPr>
+            <a:xfrm>
+              <a:off x="2023549" y="3614772"/>
               <a:ext cx="6913543" cy="0"/>
             </a:xfrm>
             <a:custGeom>
@@ -3685,13 +3556,13 @@
         </p:sp>
         <p:sp>
           <p:nvSpPr>
-            <p:cNvPr id="17" name="pl17"/>
-            <p:cNvSpPr/>
-            <p:nvPr/>
-          </p:nvSpPr>
-          <p:spPr>
-            <a:xfrm>
-              <a:off x="2023549" y="2874227"/>
+            <p:cNvPr id="14" name="pl14"/>
+            <p:cNvSpPr/>
+            <p:nvPr/>
+          </p:nvSpPr>
+          <p:spPr>
+            <a:xfrm>
+              <a:off x="2023549" y="3174738"/>
               <a:ext cx="6913543" cy="0"/>
             </a:xfrm>
             <a:custGeom>
@@ -3728,13 +3599,13 @@
         </p:sp>
         <p:sp>
           <p:nvSpPr>
-            <p:cNvPr id="18" name="pl18"/>
-            <p:cNvSpPr/>
-            <p:nvPr/>
-          </p:nvSpPr>
-          <p:spPr>
-            <a:xfrm>
-              <a:off x="2023549" y="2380531"/>
+            <p:cNvPr id="15" name="pl15"/>
+            <p:cNvSpPr/>
+            <p:nvPr/>
+          </p:nvSpPr>
+          <p:spPr>
+            <a:xfrm>
+              <a:off x="2023549" y="2734705"/>
               <a:ext cx="6913543" cy="0"/>
             </a:xfrm>
             <a:custGeom>
@@ -3771,13 +3642,13 @@
         </p:sp>
         <p:sp>
           <p:nvSpPr>
-            <p:cNvPr id="19" name="pl19"/>
-            <p:cNvSpPr/>
-            <p:nvPr/>
-          </p:nvSpPr>
-          <p:spPr>
-            <a:xfrm>
-              <a:off x="2023549" y="1886835"/>
+            <p:cNvPr id="16" name="pl16"/>
+            <p:cNvSpPr/>
+            <p:nvPr/>
+          </p:nvSpPr>
+          <p:spPr>
+            <a:xfrm>
+              <a:off x="2023549" y="2294671"/>
               <a:ext cx="6913543" cy="0"/>
             </a:xfrm>
             <a:custGeom>
@@ -3814,7 +3685,50 @@
         </p:sp>
         <p:sp>
           <p:nvSpPr>
-            <p:cNvPr id="20" name="pl20"/>
+            <p:cNvPr id="17" name="pl17"/>
+            <p:cNvSpPr/>
+            <p:nvPr/>
+          </p:nvSpPr>
+          <p:spPr>
+            <a:xfrm>
+              <a:off x="2023549" y="1854637"/>
+              <a:ext cx="6913543" cy="0"/>
+            </a:xfrm>
+            <a:custGeom>
+              <a:avLst/>
+              <a:pathLst>
+                <a:path w="6913543" h="0">
+                  <a:moveTo>
+                    <a:pt x="0" y="0"/>
+                  </a:moveTo>
+                  <a:lnTo>
+                    <a:pt x="6913543" y="0"/>
+                  </a:lnTo>
+                  <a:lnTo>
+                    <a:pt x="6913543" y="0"/>
+                  </a:lnTo>
+                </a:path>
+              </a:pathLst>
+            </a:custGeom>
+            <a:ln w="6775" cap="flat">
+              <a:solidFill>
+                <a:srgbClr val="DEDEDE">
+                  <a:alpha val="100000"/>
+                </a:srgbClr>
+              </a:solidFill>
+              <a:prstDash val="solid"/>
+              <a:round/>
+            </a:ln>
+          </p:spPr>
+          <p:txBody>
+            <a:bodyPr/>
+            <a:lstStyle/>
+            <a:p/>
+          </p:txBody>
+        </p:sp>
+        <p:sp>
+          <p:nvSpPr>
+            <p:cNvPr id="18" name="pl18"/>
             <p:cNvSpPr/>
             <p:nvPr/>
           </p:nvSpPr>
@@ -3857,13 +3771,13 @@
         </p:sp>
         <p:sp>
           <p:nvSpPr>
-            <p:cNvPr id="21" name="pl21"/>
-            <p:cNvSpPr/>
-            <p:nvPr/>
-          </p:nvSpPr>
-          <p:spPr>
-            <a:xfrm>
-              <a:off x="3165970" y="1590617"/>
+            <p:cNvPr id="19" name="pl19"/>
+            <p:cNvSpPr/>
+            <p:nvPr/>
+          </p:nvSpPr>
+          <p:spPr>
+            <a:xfrm>
+              <a:off x="4266429" y="1590617"/>
               <a:ext cx="0" cy="4048310"/>
             </a:xfrm>
             <a:custGeom>
@@ -3900,13 +3814,13 @@
         </p:sp>
         <p:sp>
           <p:nvSpPr>
-            <p:cNvPr id="22" name="pl22"/>
-            <p:cNvSpPr/>
-            <p:nvPr/>
-          </p:nvSpPr>
-          <p:spPr>
-            <a:xfrm>
-              <a:off x="4308391" y="1590617"/>
+            <p:cNvPr id="20" name="pl20"/>
+            <p:cNvSpPr/>
+            <p:nvPr/>
+          </p:nvSpPr>
+          <p:spPr>
+            <a:xfrm>
+              <a:off x="6509309" y="1590617"/>
               <a:ext cx="0" cy="4048310"/>
             </a:xfrm>
             <a:custGeom>
@@ -3943,13 +3857,13 @@
         </p:sp>
         <p:sp>
           <p:nvSpPr>
-            <p:cNvPr id="23" name="pl23"/>
-            <p:cNvSpPr/>
-            <p:nvPr/>
-          </p:nvSpPr>
-          <p:spPr>
-            <a:xfrm>
-              <a:off x="5450812" y="1590617"/>
+            <p:cNvPr id="21" name="pl21"/>
+            <p:cNvSpPr/>
+            <p:nvPr/>
+          </p:nvSpPr>
+          <p:spPr>
+            <a:xfrm>
+              <a:off x="8752189" y="1590617"/>
               <a:ext cx="0" cy="4048310"/>
             </a:xfrm>
             <a:custGeom>
@@ -3986,143 +3900,14 @@
         </p:sp>
         <p:sp>
           <p:nvSpPr>
-            <p:cNvPr id="24" name="pl24"/>
-            <p:cNvSpPr/>
-            <p:nvPr/>
-          </p:nvSpPr>
-          <p:spPr>
-            <a:xfrm>
-              <a:off x="6593233" y="1590617"/>
-              <a:ext cx="0" cy="4048310"/>
-            </a:xfrm>
-            <a:custGeom>
-              <a:avLst/>
-              <a:pathLst>
-                <a:path w="0" h="4048310">
-                  <a:moveTo>
-                    <a:pt x="0" y="4048310"/>
-                  </a:moveTo>
-                  <a:lnTo>
-                    <a:pt x="0" y="0"/>
-                  </a:lnTo>
-                  <a:lnTo>
-                    <a:pt x="0" y="0"/>
-                  </a:lnTo>
-                </a:path>
-              </a:pathLst>
-            </a:custGeom>
-            <a:ln w="6775" cap="flat">
-              <a:solidFill>
-                <a:srgbClr val="DEDEDE">
-                  <a:alpha val="100000"/>
-                </a:srgbClr>
-              </a:solidFill>
-              <a:prstDash val="solid"/>
-              <a:round/>
-            </a:ln>
-          </p:spPr>
-          <p:txBody>
-            <a:bodyPr/>
-            <a:lstStyle/>
-            <a:p/>
-          </p:txBody>
-        </p:sp>
-        <p:sp>
-          <p:nvSpPr>
-            <p:cNvPr id="25" name="pl25"/>
-            <p:cNvSpPr/>
-            <p:nvPr/>
-          </p:nvSpPr>
-          <p:spPr>
-            <a:xfrm>
-              <a:off x="7735654" y="1590617"/>
-              <a:ext cx="0" cy="4048310"/>
-            </a:xfrm>
-            <a:custGeom>
-              <a:avLst/>
-              <a:pathLst>
-                <a:path w="0" h="4048310">
-                  <a:moveTo>
-                    <a:pt x="0" y="4048310"/>
-                  </a:moveTo>
-                  <a:lnTo>
-                    <a:pt x="0" y="0"/>
-                  </a:lnTo>
-                  <a:lnTo>
-                    <a:pt x="0" y="0"/>
-                  </a:lnTo>
-                </a:path>
-              </a:pathLst>
-            </a:custGeom>
-            <a:ln w="6775" cap="flat">
-              <a:solidFill>
-                <a:srgbClr val="DEDEDE">
-                  <a:alpha val="100000"/>
-                </a:srgbClr>
-              </a:solidFill>
-              <a:prstDash val="solid"/>
-              <a:round/>
-            </a:ln>
-          </p:spPr>
-          <p:txBody>
-            <a:bodyPr/>
-            <a:lstStyle/>
-            <a:p/>
-          </p:txBody>
-        </p:sp>
-        <p:sp>
-          <p:nvSpPr>
-            <p:cNvPr id="26" name="pl26"/>
-            <p:cNvSpPr/>
-            <p:nvPr/>
-          </p:nvSpPr>
-          <p:spPr>
-            <a:xfrm>
-              <a:off x="8878074" y="1590617"/>
-              <a:ext cx="0" cy="4048310"/>
-            </a:xfrm>
-            <a:custGeom>
-              <a:avLst/>
-              <a:pathLst>
-                <a:path w="0" h="4048310">
-                  <a:moveTo>
-                    <a:pt x="0" y="4048310"/>
-                  </a:moveTo>
-                  <a:lnTo>
-                    <a:pt x="0" y="0"/>
-                  </a:lnTo>
-                  <a:lnTo>
-                    <a:pt x="0" y="0"/>
-                  </a:lnTo>
-                </a:path>
-              </a:pathLst>
-            </a:custGeom>
-            <a:ln w="6775" cap="flat">
-              <a:solidFill>
-                <a:srgbClr val="DEDEDE">
-                  <a:alpha val="100000"/>
-                </a:srgbClr>
-              </a:solidFill>
-              <a:prstDash val="solid"/>
-              <a:round/>
-            </a:ln>
-          </p:spPr>
-          <p:txBody>
-            <a:bodyPr/>
-            <a:lstStyle/>
-            <a:p/>
-          </p:txBody>
-        </p:sp>
-        <p:sp>
-          <p:nvSpPr>
-            <p:cNvPr id="27" name="rc27"/>
-            <p:cNvSpPr/>
-            <p:nvPr/>
-          </p:nvSpPr>
-          <p:spPr>
-            <a:xfrm>
-              <a:off x="2023549" y="1664671"/>
-              <a:ext cx="6777983" cy="444326"/>
+            <p:cNvPr id="22" name="rc22"/>
+            <p:cNvSpPr/>
+            <p:nvPr/>
+          </p:nvSpPr>
+          <p:spPr>
+            <a:xfrm>
+              <a:off x="2023549" y="1656622"/>
+              <a:ext cx="6777983" cy="396030"/>
             </a:xfrm>
             <a:prstGeom prst="rect">
               <a:avLst/>
@@ -4141,14 +3926,14 @@
         </p:sp>
         <p:sp>
           <p:nvSpPr>
-            <p:cNvPr id="28" name="rc28"/>
-            <p:cNvSpPr/>
-            <p:nvPr/>
-          </p:nvSpPr>
-          <p:spPr>
-            <a:xfrm>
-              <a:off x="2023549" y="2158368"/>
-              <a:ext cx="3584916" cy="444326"/>
+            <p:cNvPr id="23" name="rc23"/>
+            <p:cNvSpPr/>
+            <p:nvPr/>
+          </p:nvSpPr>
+          <p:spPr>
+            <a:xfrm>
+              <a:off x="2023549" y="2096656"/>
+              <a:ext cx="4687619" cy="396030"/>
             </a:xfrm>
             <a:prstGeom prst="rect">
               <a:avLst/>
@@ -4167,14 +3952,14 @@
         </p:sp>
         <p:sp>
           <p:nvSpPr>
-            <p:cNvPr id="29" name="rc29"/>
-            <p:cNvSpPr/>
-            <p:nvPr/>
-          </p:nvSpPr>
-          <p:spPr>
-            <a:xfrm>
-              <a:off x="2023549" y="2652064"/>
-              <a:ext cx="3282175" cy="444326"/>
+            <p:cNvPr id="24" name="rc24"/>
+            <p:cNvSpPr/>
+            <p:nvPr/>
+          </p:nvSpPr>
+          <p:spPr>
+            <a:xfrm>
+              <a:off x="2023549" y="2536689"/>
+              <a:ext cx="4615847" cy="396030"/>
             </a:xfrm>
             <a:prstGeom prst="rect">
               <a:avLst/>
@@ -4193,14 +3978,14 @@
         </p:sp>
         <p:sp>
           <p:nvSpPr>
-            <p:cNvPr id="30" name="rc30"/>
-            <p:cNvSpPr/>
-            <p:nvPr/>
-          </p:nvSpPr>
-          <p:spPr>
-            <a:xfrm>
-              <a:off x="2023549" y="3145760"/>
-              <a:ext cx="2489335" cy="444326"/>
+            <p:cNvPr id="25" name="rc25"/>
+            <p:cNvSpPr/>
+            <p:nvPr/>
+          </p:nvSpPr>
+          <p:spPr>
+            <a:xfrm>
+              <a:off x="2023549" y="2976723"/>
+              <a:ext cx="4297358" cy="396030"/>
             </a:xfrm>
             <a:prstGeom prst="rect">
               <a:avLst/>
@@ -4219,14 +4004,14 @@
         </p:sp>
         <p:sp>
           <p:nvSpPr>
-            <p:cNvPr id="31" name="rc31"/>
-            <p:cNvSpPr/>
-            <p:nvPr/>
-          </p:nvSpPr>
-          <p:spPr>
-            <a:xfrm>
-              <a:off x="2023549" y="3639457"/>
-              <a:ext cx="1246381" cy="444326"/>
+            <p:cNvPr id="26" name="rc26"/>
+            <p:cNvSpPr/>
+            <p:nvPr/>
+          </p:nvSpPr>
+          <p:spPr>
+            <a:xfrm>
+              <a:off x="2023549" y="3416757"/>
+              <a:ext cx="3357591" cy="396030"/>
             </a:xfrm>
             <a:prstGeom prst="rect">
               <a:avLst/>
@@ -4245,14 +4030,14 @@
         </p:sp>
         <p:sp>
           <p:nvSpPr>
-            <p:cNvPr id="32" name="rc32"/>
-            <p:cNvSpPr/>
-            <p:nvPr/>
-          </p:nvSpPr>
-          <p:spPr>
-            <a:xfrm>
-              <a:off x="2023549" y="4133153"/>
-              <a:ext cx="595201" cy="444326"/>
+            <p:cNvPr id="27" name="rc27"/>
+            <p:cNvSpPr/>
+            <p:nvPr/>
+          </p:nvSpPr>
+          <p:spPr>
+            <a:xfrm>
+              <a:off x="2023549" y="3856791"/>
+              <a:ext cx="2713884" cy="396030"/>
             </a:xfrm>
             <a:prstGeom prst="rect">
               <a:avLst/>
@@ -4271,14 +4056,14 @@
         </p:sp>
         <p:sp>
           <p:nvSpPr>
-            <p:cNvPr id="33" name="rc33"/>
-            <p:cNvSpPr/>
-            <p:nvPr/>
-          </p:nvSpPr>
-          <p:spPr>
-            <a:xfrm>
-              <a:off x="2023549" y="4626850"/>
-              <a:ext cx="562071" cy="444326"/>
+            <p:cNvPr id="28" name="rc28"/>
+            <p:cNvSpPr/>
+            <p:nvPr/>
+          </p:nvSpPr>
+          <p:spPr>
+            <a:xfrm>
+              <a:off x="2023549" y="4296824"/>
+              <a:ext cx="2689213" cy="396030"/>
             </a:xfrm>
             <a:prstGeom prst="rect">
               <a:avLst/>
@@ -4297,14 +4082,14 @@
         </p:sp>
         <p:sp>
           <p:nvSpPr>
-            <p:cNvPr id="34" name="rc34"/>
-            <p:cNvSpPr/>
-            <p:nvPr/>
-          </p:nvSpPr>
-          <p:spPr>
-            <a:xfrm>
-              <a:off x="2023549" y="5120546"/>
-              <a:ext cx="249047" cy="444326"/>
+            <p:cNvPr id="29" name="rc29"/>
+            <p:cNvSpPr/>
+            <p:nvPr/>
+          </p:nvSpPr>
+          <p:spPr>
+            <a:xfrm>
+              <a:off x="2023549" y="4736858"/>
+              <a:ext cx="2390910" cy="396030"/>
             </a:xfrm>
             <a:prstGeom prst="rect">
               <a:avLst/>
@@ -4323,14 +4108,40 @@
         </p:sp>
         <p:sp>
           <p:nvSpPr>
-            <p:cNvPr id="35" name="tx35"/>
-            <p:cNvSpPr/>
-            <p:nvPr/>
-          </p:nvSpPr>
-          <p:spPr>
-            <a:xfrm>
-              <a:off x="8201672" y="1829869"/>
-              <a:ext cx="436637" cy="80245"/>
+            <p:cNvPr id="30" name="rc30"/>
+            <p:cNvSpPr/>
+            <p:nvPr/>
+          </p:nvSpPr>
+          <p:spPr>
+            <a:xfrm>
+              <a:off x="2023549" y="5176892"/>
+              <a:ext cx="266902" cy="396030"/>
+            </a:xfrm>
+            <a:prstGeom prst="rect">
+              <a:avLst/>
+            </a:prstGeom>
+            <a:solidFill>
+              <a:srgbClr val="595959">
+                <a:alpha val="100000"/>
+              </a:srgbClr>
+            </a:solidFill>
+          </p:spPr>
+          <p:txBody>
+            <a:bodyPr/>
+            <a:lstStyle/>
+            <a:p/>
+          </p:txBody>
+        </p:sp>
+        <p:sp>
+          <p:nvSpPr>
+            <p:cNvPr id="31" name="tx31"/>
+            <p:cNvSpPr/>
+            <p:nvPr/>
+          </p:nvSpPr>
+          <p:spPr>
+            <a:xfrm>
+              <a:off x="8232237" y="1810163"/>
+              <a:ext cx="406518" cy="67753"/>
             </a:xfrm>
             <a:prstGeom prst="rect">
               <a:avLst/>
@@ -4362,21 +4173,21 @@
                   <a:latin typeface="Arial"/>
                   <a:cs typeface="Arial"/>
                 </a:rPr>
-                <a:t>商超/便利店</a:t>
+                <a:t>营养成分表</a:t>
               </a:r>
             </a:p>
           </p:txBody>
         </p:sp>
         <p:sp>
           <p:nvSpPr>
-            <p:cNvPr id="36" name="tx36"/>
-            <p:cNvSpPr/>
-            <p:nvPr/>
-          </p:nvSpPr>
-          <p:spPr>
-            <a:xfrm>
-              <a:off x="4388294" y="2336057"/>
-              <a:ext cx="1056948" cy="67753"/>
+            <p:cNvPr id="32" name="tx32"/>
+            <p:cNvSpPr/>
+            <p:nvPr/>
+          </p:nvSpPr>
+          <p:spPr>
+            <a:xfrm>
+              <a:off x="6223176" y="2250197"/>
+              <a:ext cx="325215" cy="67753"/>
             </a:xfrm>
             <a:prstGeom prst="rect">
               <a:avLst/>
@@ -4408,21 +4219,113 @@
                   <a:latin typeface="Arial"/>
                   <a:cs typeface="Arial"/>
                 </a:rPr>
-                <a:t>电商平台（如淘宝、天猫等）</a:t>
+                <a:t>菌株信息</a:t>
               </a:r>
             </a:p>
           </p:txBody>
         </p:sp>
         <p:sp>
           <p:nvSpPr>
-            <p:cNvPr id="37" name="tx37"/>
-            <p:cNvSpPr/>
-            <p:nvPr/>
-          </p:nvSpPr>
-          <p:spPr>
-            <a:xfrm>
-              <a:off x="5468948" y="2845274"/>
-              <a:ext cx="731733" cy="67753"/>
+            <p:cNvPr id="33" name="tx33"/>
+            <p:cNvSpPr/>
+            <p:nvPr/>
+          </p:nvSpPr>
+          <p:spPr>
+            <a:xfrm>
+              <a:off x="6151404" y="2690231"/>
+              <a:ext cx="325215" cy="67753"/>
+            </a:xfrm>
+            <a:prstGeom prst="rect">
+              <a:avLst/>
+            </a:prstGeom>
+            <a:noFill/>
+          </p:spPr>
+          <p:txBody>
+            <a:bodyPr lIns="0" rIns="0" tIns="0" bIns="0" anchorCtr="1" anchor="ctr" wrap="none"/>
+            <a:lstStyle/>
+            <a:p>
+              <a:pPr algn="l" marL="0" marR="0" indent="0">
+                <a:lnSpc>
+                  <a:spcPts val="853"/>
+                </a:lnSpc>
+                <a:spcBef>
+                  <a:spcPts val="0"/>
+                </a:spcBef>
+                <a:spcAft>
+                  <a:spcPts val="0"/>
+                </a:spcAft>
+              </a:pPr>
+              <a:r>
+                <a:rPr sz="853" b="1">
+                  <a:solidFill>
+                    <a:srgbClr val="FFFFFF">
+                      <a:alpha val="100000"/>
+                    </a:srgbClr>
+                  </a:solidFill>
+                  <a:latin typeface="Arial"/>
+                  <a:cs typeface="Arial"/>
+                </a:rPr>
+                <a:t>功能宣称</a:t>
+              </a:r>
+            </a:p>
+          </p:txBody>
+        </p:sp>
+        <p:sp>
+          <p:nvSpPr>
+            <p:cNvPr id="34" name="tx34"/>
+            <p:cNvSpPr/>
+            <p:nvPr/>
+          </p:nvSpPr>
+          <p:spPr>
+            <a:xfrm>
+              <a:off x="5263789" y="3130265"/>
+              <a:ext cx="894341" cy="67753"/>
+            </a:xfrm>
+            <a:prstGeom prst="rect">
+              <a:avLst/>
+            </a:prstGeom>
+            <a:noFill/>
+          </p:spPr>
+          <p:txBody>
+            <a:bodyPr lIns="0" rIns="0" tIns="0" bIns="0" anchorCtr="1" anchor="ctr" wrap="none"/>
+            <a:lstStyle/>
+            <a:p>
+              <a:pPr algn="l" marL="0" marR="0" indent="0">
+                <a:lnSpc>
+                  <a:spcPts val="853"/>
+                </a:lnSpc>
+                <a:spcBef>
+                  <a:spcPts val="0"/>
+                </a:spcBef>
+                <a:spcAft>
+                  <a:spcPts val="0"/>
+                </a:spcAft>
+              </a:pPr>
+              <a:r>
+                <a:rPr sz="853" b="1">
+                  <a:solidFill>
+                    <a:srgbClr val="FFFFFF">
+                      <a:alpha val="100000"/>
+                    </a:srgbClr>
+                  </a:solidFill>
+                  <a:latin typeface="Arial"/>
+                  <a:cs typeface="Arial"/>
+                </a:rPr>
+                <a:t>保健食品标志（蓝帽子）</a:t>
+              </a:r>
+            </a:p>
+          </p:txBody>
+        </p:sp>
+        <p:sp>
+          <p:nvSpPr>
+            <p:cNvPr id="35" name="tx35"/>
+            <p:cNvSpPr/>
+            <p:nvPr/>
+          </p:nvSpPr>
+          <p:spPr>
+            <a:xfrm>
+              <a:off x="5543917" y="3573326"/>
+              <a:ext cx="436637" cy="80245"/>
             </a:xfrm>
             <a:prstGeom prst="rect">
               <a:avLst/>
@@ -4454,21 +4357,21 @@
                   <a:latin typeface="Arial"/>
                   <a:cs typeface="Arial"/>
                 </a:rPr>
-                <a:t>药店（含网上药店）</a:t>
+                <a:t>辅料/添加剂</a:t>
               </a:r>
             </a:p>
           </p:txBody>
         </p:sp>
         <p:sp>
           <p:nvSpPr>
-            <p:cNvPr id="38" name="tx38"/>
-            <p:cNvSpPr/>
-            <p:nvPr/>
-          </p:nvSpPr>
-          <p:spPr>
-            <a:xfrm>
-              <a:off x="4676107" y="3338970"/>
-              <a:ext cx="1056948" cy="67753"/>
+            <p:cNvPr id="36" name="tx36"/>
+            <p:cNvSpPr/>
+            <p:nvPr/>
+          </p:nvSpPr>
+          <p:spPr>
+            <a:xfrm>
+              <a:off x="4900211" y="4013360"/>
+              <a:ext cx="385398" cy="80245"/>
             </a:xfrm>
             <a:prstGeom prst="rect">
               <a:avLst/>
@@ -4500,21 +4403,21 @@
                   <a:latin typeface="Arial"/>
                   <a:cs typeface="Arial"/>
                 </a:rPr>
-                <a:t>跨境电商平台（如天猫国际）</a:t>
+                <a:t>CFU信息</a:t>
               </a:r>
             </a:p>
           </p:txBody>
         </p:sp>
         <p:sp>
           <p:nvSpPr>
-            <p:cNvPr id="39" name="tx39"/>
-            <p:cNvSpPr/>
-            <p:nvPr/>
-          </p:nvSpPr>
-          <p:spPr>
-            <a:xfrm>
-              <a:off x="3433153" y="3832666"/>
-              <a:ext cx="975645" cy="67753"/>
+            <p:cNvPr id="37" name="tx37"/>
+            <p:cNvSpPr/>
+            <p:nvPr/>
+          </p:nvSpPr>
+          <p:spPr>
+            <a:xfrm>
+              <a:off x="4875539" y="4465886"/>
+              <a:ext cx="325215" cy="67753"/>
             </a:xfrm>
             <a:prstGeom prst="rect">
               <a:avLst/>
@@ -4546,21 +4449,21 @@
                   <a:latin typeface="Arial"/>
                   <a:cs typeface="Arial"/>
                 </a:rPr>
-                <a:t>社交电商平台（如拼多多）</a:t>
+                <a:t>使用禁忌</a:t>
               </a:r>
             </a:p>
           </p:txBody>
         </p:sp>
         <p:sp>
           <p:nvSpPr>
-            <p:cNvPr id="40" name="tx40"/>
-            <p:cNvSpPr/>
-            <p:nvPr/>
-          </p:nvSpPr>
-          <p:spPr>
-            <a:xfrm>
-              <a:off x="2781973" y="4326363"/>
-              <a:ext cx="162607" cy="67753"/>
+            <p:cNvPr id="38" name="tx38"/>
+            <p:cNvSpPr/>
+            <p:nvPr/>
+          </p:nvSpPr>
+          <p:spPr>
+            <a:xfrm>
+              <a:off x="4577236" y="4905920"/>
+              <a:ext cx="243911" cy="67753"/>
             </a:xfrm>
             <a:prstGeom prst="rect">
               <a:avLst/>
@@ -4592,21 +4495,21 @@
                   <a:latin typeface="Arial"/>
                   <a:cs typeface="Arial"/>
                 </a:rPr>
-                <a:t>医院</a:t>
+                <a:t>保质期</a:t>
               </a:r>
             </a:p>
           </p:txBody>
         </p:sp>
         <p:sp>
           <p:nvSpPr>
-            <p:cNvPr id="41" name="tx41"/>
-            <p:cNvSpPr/>
-            <p:nvPr/>
-          </p:nvSpPr>
-          <p:spPr>
-            <a:xfrm>
-              <a:off x="2748843" y="4820059"/>
-              <a:ext cx="1382163" cy="67753"/>
+            <p:cNvPr id="39" name="tx39"/>
+            <p:cNvSpPr/>
+            <p:nvPr/>
+          </p:nvSpPr>
+          <p:spPr>
+            <a:xfrm>
+              <a:off x="2453229" y="5345953"/>
+              <a:ext cx="569126" cy="67753"/>
             </a:xfrm>
             <a:prstGeom prst="rect">
               <a:avLst/>
@@ -4638,60 +4541,14 @@
                   <a:latin typeface="Arial"/>
                   <a:cs typeface="Arial"/>
                 </a:rPr>
-                <a:t>直播带货平台（如淘宝直播、抖音等）</a:t>
+                <a:t>不关注相关信息</a:t>
               </a:r>
             </a:p>
           </p:txBody>
         </p:sp>
         <p:sp>
           <p:nvSpPr>
-            <p:cNvPr id="42" name="tx42"/>
-            <p:cNvSpPr/>
-            <p:nvPr/>
-          </p:nvSpPr>
-          <p:spPr>
-            <a:xfrm>
-              <a:off x="2435820" y="5313756"/>
-              <a:ext cx="406518" cy="67753"/>
-            </a:xfrm>
-            <a:prstGeom prst="rect">
-              <a:avLst/>
-            </a:prstGeom>
-            <a:noFill/>
-          </p:spPr>
-          <p:txBody>
-            <a:bodyPr lIns="0" rIns="0" tIns="0" bIns="0" anchorCtr="1" anchor="ctr" wrap="none"/>
-            <a:lstStyle/>
-            <a:p>
-              <a:pPr algn="l" marL="0" marR="0" indent="0">
-                <a:lnSpc>
-                  <a:spcPts val="853"/>
-                </a:lnSpc>
-                <a:spcBef>
-                  <a:spcPts val="0"/>
-                </a:spcBef>
-                <a:spcAft>
-                  <a:spcPts val="0"/>
-                </a:spcAft>
-              </a:pPr>
-              <a:r>
-                <a:rPr sz="853">
-                  <a:solidFill>
-                    <a:srgbClr val="000000">
-                      <a:alpha val="100000"/>
-                    </a:srgbClr>
-                  </a:solidFill>
-                  <a:latin typeface="Arial"/>
-                  <a:cs typeface="Arial"/>
-                </a:rPr>
-                <a:t>朋友圈微商</a:t>
-              </a:r>
-            </a:p>
-          </p:txBody>
-        </p:sp>
-        <p:sp>
-          <p:nvSpPr>
-            <p:cNvPr id="43" name="rc43"/>
+            <p:cNvPr id="40" name="rc40"/>
             <p:cNvSpPr/>
             <p:nvPr/>
           </p:nvSpPr>
@@ -4721,13 +4578,59 @@
         </p:sp>
         <p:sp>
           <p:nvSpPr>
-            <p:cNvPr id="44" name="tx44"/>
-            <p:cNvSpPr/>
-            <p:nvPr/>
-          </p:nvSpPr>
-          <p:spPr>
-            <a:xfrm>
-              <a:off x="1926599" y="5300963"/>
+            <p:cNvPr id="41" name="tx41"/>
+            <p:cNvSpPr/>
+            <p:nvPr/>
+          </p:nvSpPr>
+          <p:spPr>
+            <a:xfrm>
+              <a:off x="1926599" y="5333161"/>
+              <a:ext cx="62155" cy="81746"/>
+            </a:xfrm>
+            <a:prstGeom prst="rect">
+              <a:avLst/>
+            </a:prstGeom>
+            <a:noFill/>
+          </p:spPr>
+          <p:txBody>
+            <a:bodyPr lIns="0" rIns="0" tIns="0" bIns="0" anchorCtr="1" anchor="ctr" wrap="none"/>
+            <a:lstStyle/>
+            <a:p>
+              <a:pPr algn="l" marL="0" marR="0" indent="0">
+                <a:lnSpc>
+                  <a:spcPts val="880"/>
+                </a:lnSpc>
+                <a:spcBef>
+                  <a:spcPts val="0"/>
+                </a:spcBef>
+                <a:spcAft>
+                  <a:spcPts val="0"/>
+                </a:spcAft>
+              </a:pPr>
+              <a:r>
+                <a:rPr sz="880" b="1">
+                  <a:solidFill>
+                    <a:srgbClr val="4D4D4D">
+                      <a:alpha val="100000"/>
+                    </a:srgbClr>
+                  </a:solidFill>
+                  <a:latin typeface="Arial"/>
+                  <a:cs typeface="Arial"/>
+                </a:rPr>
+                <a:t>9</a:t>
+              </a:r>
+            </a:p>
+          </p:txBody>
+        </p:sp>
+        <p:sp>
+          <p:nvSpPr>
+            <p:cNvPr id="42" name="tx42"/>
+            <p:cNvSpPr/>
+            <p:nvPr/>
+          </p:nvSpPr>
+          <p:spPr>
+            <a:xfrm>
+              <a:off x="1926599" y="4893127"/>
               <a:ext cx="62155" cy="81746"/>
             </a:xfrm>
             <a:prstGeom prst="rect">
@@ -4767,13 +4670,13 @@
         </p:sp>
         <p:sp>
           <p:nvSpPr>
-            <p:cNvPr id="45" name="tx45"/>
-            <p:cNvSpPr/>
-            <p:nvPr/>
-          </p:nvSpPr>
-          <p:spPr>
-            <a:xfrm>
-              <a:off x="1926599" y="4810105"/>
+            <p:cNvPr id="43" name="tx43"/>
+            <p:cNvSpPr/>
+            <p:nvPr/>
+          </p:nvSpPr>
+          <p:spPr>
+            <a:xfrm>
+              <a:off x="1926599" y="4455931"/>
               <a:ext cx="62155" cy="78908"/>
             </a:xfrm>
             <a:prstGeom prst="rect">
@@ -4813,13 +4716,13 @@
         </p:sp>
         <p:sp>
           <p:nvSpPr>
-            <p:cNvPr id="46" name="tx46"/>
-            <p:cNvSpPr/>
-            <p:nvPr/>
-          </p:nvSpPr>
-          <p:spPr>
-            <a:xfrm>
-              <a:off x="1926599" y="4313625"/>
+            <p:cNvPr id="44" name="tx44"/>
+            <p:cNvSpPr/>
+            <p:nvPr/>
+          </p:nvSpPr>
+          <p:spPr>
+            <a:xfrm>
+              <a:off x="1926599" y="4013114"/>
               <a:ext cx="62155" cy="81691"/>
             </a:xfrm>
             <a:prstGeom prst="rect">
@@ -4859,13 +4762,13 @@
         </p:sp>
         <p:sp>
           <p:nvSpPr>
-            <p:cNvPr id="47" name="tx47"/>
-            <p:cNvSpPr/>
-            <p:nvPr/>
-          </p:nvSpPr>
-          <p:spPr>
-            <a:xfrm>
-              <a:off x="1926599" y="3821347"/>
+            <p:cNvPr id="45" name="tx45"/>
+            <p:cNvSpPr/>
+            <p:nvPr/>
+          </p:nvSpPr>
+          <p:spPr>
+            <a:xfrm>
+              <a:off x="1926599" y="3574499"/>
               <a:ext cx="62155" cy="80272"/>
             </a:xfrm>
             <a:prstGeom prst="rect">
@@ -4905,13 +4808,13 @@
         </p:sp>
         <p:sp>
           <p:nvSpPr>
-            <p:cNvPr id="48" name="tx48"/>
-            <p:cNvSpPr/>
-            <p:nvPr/>
-          </p:nvSpPr>
-          <p:spPr>
-            <a:xfrm>
-              <a:off x="1926599" y="3327596"/>
+            <p:cNvPr id="46" name="tx46"/>
+            <p:cNvSpPr/>
+            <p:nvPr/>
+          </p:nvSpPr>
+          <p:spPr>
+            <a:xfrm>
+              <a:off x="1926599" y="3134411"/>
               <a:ext cx="62155" cy="80327"/>
             </a:xfrm>
             <a:prstGeom prst="rect">
@@ -4951,13 +4854,13 @@
         </p:sp>
         <p:sp>
           <p:nvSpPr>
-            <p:cNvPr id="49" name="tx49"/>
-            <p:cNvSpPr/>
-            <p:nvPr/>
-          </p:nvSpPr>
-          <p:spPr>
-            <a:xfrm>
-              <a:off x="1926599" y="2832536"/>
+            <p:cNvPr id="47" name="tx47"/>
+            <p:cNvSpPr/>
+            <p:nvPr/>
+          </p:nvSpPr>
+          <p:spPr>
+            <a:xfrm>
+              <a:off x="1926599" y="2693013"/>
               <a:ext cx="62155" cy="81691"/>
             </a:xfrm>
             <a:prstGeom prst="rect">
@@ -4997,13 +4900,13 @@
         </p:sp>
         <p:sp>
           <p:nvSpPr>
-            <p:cNvPr id="50" name="tx50"/>
-            <p:cNvSpPr/>
-            <p:nvPr/>
-          </p:nvSpPr>
-          <p:spPr>
-            <a:xfrm>
-              <a:off x="1926599" y="2340204"/>
+            <p:cNvPr id="48" name="tx48"/>
+            <p:cNvSpPr/>
+            <p:nvPr/>
+          </p:nvSpPr>
+          <p:spPr>
+            <a:xfrm>
+              <a:off x="1926599" y="2254343"/>
               <a:ext cx="62155" cy="80327"/>
             </a:xfrm>
             <a:prstGeom prst="rect">
@@ -5043,13 +4946,13 @@
         </p:sp>
         <p:sp>
           <p:nvSpPr>
-            <p:cNvPr id="51" name="tx51"/>
-            <p:cNvSpPr/>
-            <p:nvPr/>
-          </p:nvSpPr>
-          <p:spPr>
-            <a:xfrm>
-              <a:off x="1926599" y="1846507"/>
+            <p:cNvPr id="49" name="tx49"/>
+            <p:cNvSpPr/>
+            <p:nvPr/>
+          </p:nvSpPr>
+          <p:spPr>
+            <a:xfrm>
+              <a:off x="1926599" y="1814310"/>
               <a:ext cx="62155" cy="80327"/>
             </a:xfrm>
             <a:prstGeom prst="rect">
@@ -5089,13 +4992,13 @@
         </p:sp>
         <p:sp>
           <p:nvSpPr>
-            <p:cNvPr id="52" name="pl52"/>
-            <p:cNvSpPr/>
-            <p:nvPr/>
-          </p:nvSpPr>
-          <p:spPr>
-            <a:xfrm>
-              <a:off x="1988754" y="5342710"/>
+            <p:cNvPr id="50" name="pl50"/>
+            <p:cNvSpPr/>
+            <p:nvPr/>
+          </p:nvSpPr>
+          <p:spPr>
+            <a:xfrm>
+              <a:off x="1988754" y="5374907"/>
               <a:ext cx="34794" cy="0"/>
             </a:xfrm>
             <a:custGeom>
@@ -5129,13 +5032,13 @@
         </p:sp>
         <p:sp>
           <p:nvSpPr>
-            <p:cNvPr id="53" name="pl53"/>
-            <p:cNvSpPr/>
-            <p:nvPr/>
-          </p:nvSpPr>
-          <p:spPr>
-            <a:xfrm>
-              <a:off x="1988754" y="4849013"/>
+            <p:cNvPr id="51" name="pl51"/>
+            <p:cNvSpPr/>
+            <p:nvPr/>
+          </p:nvSpPr>
+          <p:spPr>
+            <a:xfrm>
+              <a:off x="1988754" y="4934873"/>
               <a:ext cx="34794" cy="0"/>
             </a:xfrm>
             <a:custGeom>
@@ -5169,13 +5072,13 @@
         </p:sp>
         <p:sp>
           <p:nvSpPr>
-            <p:cNvPr id="54" name="pl54"/>
-            <p:cNvSpPr/>
-            <p:nvPr/>
-          </p:nvSpPr>
-          <p:spPr>
-            <a:xfrm>
-              <a:off x="1988754" y="4355317"/>
+            <p:cNvPr id="52" name="pl52"/>
+            <p:cNvSpPr/>
+            <p:nvPr/>
+          </p:nvSpPr>
+          <p:spPr>
+            <a:xfrm>
+              <a:off x="1988754" y="4494840"/>
               <a:ext cx="34794" cy="0"/>
             </a:xfrm>
             <a:custGeom>
@@ -5209,13 +5112,13 @@
         </p:sp>
         <p:sp>
           <p:nvSpPr>
-            <p:cNvPr id="55" name="pl55"/>
-            <p:cNvSpPr/>
-            <p:nvPr/>
-          </p:nvSpPr>
-          <p:spPr>
-            <a:xfrm>
-              <a:off x="1988754" y="3861620"/>
+            <p:cNvPr id="53" name="pl53"/>
+            <p:cNvSpPr/>
+            <p:nvPr/>
+          </p:nvSpPr>
+          <p:spPr>
+            <a:xfrm>
+              <a:off x="1988754" y="4054806"/>
               <a:ext cx="34794" cy="0"/>
             </a:xfrm>
             <a:custGeom>
@@ -5249,13 +5152,13 @@
         </p:sp>
         <p:sp>
           <p:nvSpPr>
-            <p:cNvPr id="56" name="pl56"/>
-            <p:cNvSpPr/>
-            <p:nvPr/>
-          </p:nvSpPr>
-          <p:spPr>
-            <a:xfrm>
-              <a:off x="1988754" y="3367924"/>
+            <p:cNvPr id="54" name="pl54"/>
+            <p:cNvSpPr/>
+            <p:nvPr/>
+          </p:nvSpPr>
+          <p:spPr>
+            <a:xfrm>
+              <a:off x="1988754" y="3614772"/>
               <a:ext cx="34794" cy="0"/>
             </a:xfrm>
             <a:custGeom>
@@ -5289,13 +5192,13 @@
         </p:sp>
         <p:sp>
           <p:nvSpPr>
-            <p:cNvPr id="57" name="pl57"/>
-            <p:cNvSpPr/>
-            <p:nvPr/>
-          </p:nvSpPr>
-          <p:spPr>
-            <a:xfrm>
-              <a:off x="1988754" y="2874227"/>
+            <p:cNvPr id="55" name="pl55"/>
+            <p:cNvSpPr/>
+            <p:nvPr/>
+          </p:nvSpPr>
+          <p:spPr>
+            <a:xfrm>
+              <a:off x="1988754" y="3174738"/>
               <a:ext cx="34794" cy="0"/>
             </a:xfrm>
             <a:custGeom>
@@ -5329,13 +5232,13 @@
         </p:sp>
         <p:sp>
           <p:nvSpPr>
-            <p:cNvPr id="58" name="pl58"/>
-            <p:cNvSpPr/>
-            <p:nvPr/>
-          </p:nvSpPr>
-          <p:spPr>
-            <a:xfrm>
-              <a:off x="1988754" y="2380531"/>
+            <p:cNvPr id="56" name="pl56"/>
+            <p:cNvSpPr/>
+            <p:nvPr/>
+          </p:nvSpPr>
+          <p:spPr>
+            <a:xfrm>
+              <a:off x="1988754" y="2734705"/>
               <a:ext cx="34794" cy="0"/>
             </a:xfrm>
             <a:custGeom>
@@ -5369,13 +5272,13 @@
         </p:sp>
         <p:sp>
           <p:nvSpPr>
-            <p:cNvPr id="59" name="pl59"/>
-            <p:cNvSpPr/>
-            <p:nvPr/>
-          </p:nvSpPr>
-          <p:spPr>
-            <a:xfrm>
-              <a:off x="1988754" y="1886835"/>
+            <p:cNvPr id="57" name="pl57"/>
+            <p:cNvSpPr/>
+            <p:nvPr/>
+          </p:nvSpPr>
+          <p:spPr>
+            <a:xfrm>
+              <a:off x="1988754" y="2294671"/>
               <a:ext cx="34794" cy="0"/>
             </a:xfrm>
             <a:custGeom>
@@ -5409,7 +5312,47 @@
         </p:sp>
         <p:sp>
           <p:nvSpPr>
-            <p:cNvPr id="60" name="pl60"/>
+            <p:cNvPr id="58" name="pl58"/>
+            <p:cNvSpPr/>
+            <p:nvPr/>
+          </p:nvSpPr>
+          <p:spPr>
+            <a:xfrm>
+              <a:off x="1988754" y="1854637"/>
+              <a:ext cx="34794" cy="0"/>
+            </a:xfrm>
+            <a:custGeom>
+              <a:avLst/>
+              <a:pathLst>
+                <a:path w="34794" h="0">
+                  <a:moveTo>
+                    <a:pt x="0" y="0"/>
+                  </a:moveTo>
+                  <a:lnTo>
+                    <a:pt x="34794" y="0"/>
+                  </a:lnTo>
+                </a:path>
+              </a:pathLst>
+            </a:custGeom>
+            <a:ln w="6775" cap="flat">
+              <a:solidFill>
+                <a:srgbClr val="B3B3B3">
+                  <a:alpha val="100000"/>
+                </a:srgbClr>
+              </a:solidFill>
+              <a:prstDash val="solid"/>
+              <a:round/>
+            </a:ln>
+          </p:spPr>
+          <p:txBody>
+            <a:bodyPr/>
+            <a:lstStyle/>
+            <a:p/>
+          </p:txBody>
+        </p:sp>
+        <p:sp>
+          <p:nvSpPr>
+            <p:cNvPr id="59" name="pl59"/>
             <p:cNvSpPr/>
             <p:nvPr/>
           </p:nvSpPr>
@@ -5449,13 +5392,13 @@
         </p:sp>
         <p:sp>
           <p:nvSpPr>
-            <p:cNvPr id="61" name="pl61"/>
-            <p:cNvSpPr/>
-            <p:nvPr/>
-          </p:nvSpPr>
-          <p:spPr>
-            <a:xfrm>
-              <a:off x="3165970" y="5638927"/>
+            <p:cNvPr id="60" name="pl60"/>
+            <p:cNvSpPr/>
+            <p:nvPr/>
+          </p:nvSpPr>
+          <p:spPr>
+            <a:xfrm>
+              <a:off x="4266429" y="5638927"/>
               <a:ext cx="0" cy="34794"/>
             </a:xfrm>
             <a:custGeom>
@@ -5489,13 +5432,13 @@
         </p:sp>
         <p:sp>
           <p:nvSpPr>
-            <p:cNvPr id="62" name="pl62"/>
-            <p:cNvSpPr/>
-            <p:nvPr/>
-          </p:nvSpPr>
-          <p:spPr>
-            <a:xfrm>
-              <a:off x="4308391" y="5638927"/>
+            <p:cNvPr id="61" name="pl61"/>
+            <p:cNvSpPr/>
+            <p:nvPr/>
+          </p:nvSpPr>
+          <p:spPr>
+            <a:xfrm>
+              <a:off x="6509309" y="5638927"/>
               <a:ext cx="0" cy="34794"/>
             </a:xfrm>
             <a:custGeom>
@@ -5529,13 +5472,13 @@
         </p:sp>
         <p:sp>
           <p:nvSpPr>
-            <p:cNvPr id="63" name="pl63"/>
-            <p:cNvSpPr/>
-            <p:nvPr/>
-          </p:nvSpPr>
-          <p:spPr>
-            <a:xfrm>
-              <a:off x="5450812" y="5638927"/>
+            <p:cNvPr id="62" name="pl62"/>
+            <p:cNvSpPr/>
+            <p:nvPr/>
+          </p:nvSpPr>
+          <p:spPr>
+            <a:xfrm>
+              <a:off x="8752189" y="5638927"/>
               <a:ext cx="0" cy="34794"/>
             </a:xfrm>
             <a:custGeom>
@@ -5569,127 +5512,7 @@
         </p:sp>
         <p:sp>
           <p:nvSpPr>
-            <p:cNvPr id="64" name="pl64"/>
-            <p:cNvSpPr/>
-            <p:nvPr/>
-          </p:nvSpPr>
-          <p:spPr>
-            <a:xfrm>
-              <a:off x="6593233" y="5638927"/>
-              <a:ext cx="0" cy="34794"/>
-            </a:xfrm>
-            <a:custGeom>
-              <a:avLst/>
-              <a:pathLst>
-                <a:path w="0" h="34794">
-                  <a:moveTo>
-                    <a:pt x="0" y="34794"/>
-                  </a:moveTo>
-                  <a:lnTo>
-                    <a:pt x="0" y="0"/>
-                  </a:lnTo>
-                </a:path>
-              </a:pathLst>
-            </a:custGeom>
-            <a:ln w="6775" cap="flat">
-              <a:solidFill>
-                <a:srgbClr val="B3B3B3">
-                  <a:alpha val="100000"/>
-                </a:srgbClr>
-              </a:solidFill>
-              <a:prstDash val="solid"/>
-              <a:round/>
-            </a:ln>
-          </p:spPr>
-          <p:txBody>
-            <a:bodyPr/>
-            <a:lstStyle/>
-            <a:p/>
-          </p:txBody>
-        </p:sp>
-        <p:sp>
-          <p:nvSpPr>
-            <p:cNvPr id="65" name="pl65"/>
-            <p:cNvSpPr/>
-            <p:nvPr/>
-          </p:nvSpPr>
-          <p:spPr>
-            <a:xfrm>
-              <a:off x="7735654" y="5638927"/>
-              <a:ext cx="0" cy="34794"/>
-            </a:xfrm>
-            <a:custGeom>
-              <a:avLst/>
-              <a:pathLst>
-                <a:path w="0" h="34794">
-                  <a:moveTo>
-                    <a:pt x="0" y="34794"/>
-                  </a:moveTo>
-                  <a:lnTo>
-                    <a:pt x="0" y="0"/>
-                  </a:lnTo>
-                </a:path>
-              </a:pathLst>
-            </a:custGeom>
-            <a:ln w="6775" cap="flat">
-              <a:solidFill>
-                <a:srgbClr val="B3B3B3">
-                  <a:alpha val="100000"/>
-                </a:srgbClr>
-              </a:solidFill>
-              <a:prstDash val="solid"/>
-              <a:round/>
-            </a:ln>
-          </p:spPr>
-          <p:txBody>
-            <a:bodyPr/>
-            <a:lstStyle/>
-            <a:p/>
-          </p:txBody>
-        </p:sp>
-        <p:sp>
-          <p:nvSpPr>
-            <p:cNvPr id="66" name="pl66"/>
-            <p:cNvSpPr/>
-            <p:nvPr/>
-          </p:nvSpPr>
-          <p:spPr>
-            <a:xfrm>
-              <a:off x="8878074" y="5638927"/>
-              <a:ext cx="0" cy="34794"/>
-            </a:xfrm>
-            <a:custGeom>
-              <a:avLst/>
-              <a:pathLst>
-                <a:path w="0" h="34794">
-                  <a:moveTo>
-                    <a:pt x="0" y="34794"/>
-                  </a:moveTo>
-                  <a:lnTo>
-                    <a:pt x="0" y="0"/>
-                  </a:lnTo>
-                </a:path>
-              </a:pathLst>
-            </a:custGeom>
-            <a:ln w="6775" cap="flat">
-              <a:solidFill>
-                <a:srgbClr val="B3B3B3">
-                  <a:alpha val="100000"/>
-                </a:srgbClr>
-              </a:solidFill>
-              <a:prstDash val="solid"/>
-              <a:round/>
-            </a:ln>
-          </p:spPr>
-          <p:txBody>
-            <a:bodyPr/>
-            <a:lstStyle/>
-            <a:p/>
-          </p:txBody>
-        </p:sp>
-        <p:sp>
-          <p:nvSpPr>
-            <p:cNvPr id="67" name="tx67"/>
+            <p:cNvPr id="63" name="tx63"/>
             <p:cNvSpPr/>
             <p:nvPr/>
           </p:nvSpPr>
@@ -5735,13 +5558,13 @@
         </p:sp>
         <p:sp>
           <p:nvSpPr>
-            <p:cNvPr id="68" name="tx68"/>
-            <p:cNvSpPr/>
-            <p:nvPr/>
-          </p:nvSpPr>
-          <p:spPr>
-            <a:xfrm>
-              <a:off x="3041659" y="5699866"/>
+            <p:cNvPr id="64" name="tx64"/>
+            <p:cNvSpPr/>
+            <p:nvPr/>
+          </p:nvSpPr>
+          <p:spPr>
+            <a:xfrm>
+              <a:off x="4142118" y="5699866"/>
               <a:ext cx="248622" cy="81691"/>
             </a:xfrm>
             <a:prstGeom prst="rect">
@@ -5781,13 +5604,13 @@
         </p:sp>
         <p:sp>
           <p:nvSpPr>
-            <p:cNvPr id="69" name="tx69"/>
-            <p:cNvSpPr/>
-            <p:nvPr/>
-          </p:nvSpPr>
-          <p:spPr>
-            <a:xfrm>
-              <a:off x="4184080" y="5699866"/>
+            <p:cNvPr id="65" name="tx65"/>
+            <p:cNvSpPr/>
+            <p:nvPr/>
+          </p:nvSpPr>
+          <p:spPr>
+            <a:xfrm>
+              <a:off x="6384998" y="5699866"/>
               <a:ext cx="248622" cy="81691"/>
             </a:xfrm>
             <a:prstGeom prst="rect">
@@ -5827,13 +5650,13 @@
         </p:sp>
         <p:sp>
           <p:nvSpPr>
-            <p:cNvPr id="70" name="tx70"/>
-            <p:cNvSpPr/>
-            <p:nvPr/>
-          </p:nvSpPr>
-          <p:spPr>
-            <a:xfrm>
-              <a:off x="5326500" y="5699811"/>
+            <p:cNvPr id="66" name="tx66"/>
+            <p:cNvSpPr/>
+            <p:nvPr/>
+          </p:nvSpPr>
+          <p:spPr>
+            <a:xfrm>
+              <a:off x="8627878" y="5699811"/>
               <a:ext cx="248622" cy="81746"/>
             </a:xfrm>
             <a:prstGeom prst="rect">
@@ -5867,144 +5690,6 @@
                   <a:cs typeface="Arial"/>
                 </a:rPr>
                 <a:t>3000</a:t>
-              </a:r>
-            </a:p>
-          </p:txBody>
-        </p:sp>
-        <p:sp>
-          <p:nvSpPr>
-            <p:cNvPr id="71" name="tx71"/>
-            <p:cNvSpPr/>
-            <p:nvPr/>
-          </p:nvSpPr>
-          <p:spPr>
-            <a:xfrm>
-              <a:off x="6468921" y="5699866"/>
-              <a:ext cx="248622" cy="81691"/>
-            </a:xfrm>
-            <a:prstGeom prst="rect">
-              <a:avLst/>
-            </a:prstGeom>
-            <a:noFill/>
-          </p:spPr>
-          <p:txBody>
-            <a:bodyPr lIns="0" rIns="0" tIns="0" bIns="0" anchorCtr="1" anchor="ctr" wrap="none"/>
-            <a:lstStyle/>
-            <a:p>
-              <a:pPr algn="l" marL="0" marR="0" indent="0">
-                <a:lnSpc>
-                  <a:spcPts val="880"/>
-                </a:lnSpc>
-                <a:spcBef>
-                  <a:spcPts val="0"/>
-                </a:spcBef>
-                <a:spcAft>
-                  <a:spcPts val="0"/>
-                </a:spcAft>
-              </a:pPr>
-              <a:r>
-                <a:rPr sz="880">
-                  <a:solidFill>
-                    <a:srgbClr val="4D4D4D">
-                      <a:alpha val="100000"/>
-                    </a:srgbClr>
-                  </a:solidFill>
-                  <a:latin typeface="Arial"/>
-                  <a:cs typeface="Arial"/>
-                </a:rPr>
-                <a:t>4000</a:t>
-              </a:r>
-            </a:p>
-          </p:txBody>
-        </p:sp>
-        <p:sp>
-          <p:nvSpPr>
-            <p:cNvPr id="72" name="tx72"/>
-            <p:cNvSpPr/>
-            <p:nvPr/>
-          </p:nvSpPr>
-          <p:spPr>
-            <a:xfrm>
-              <a:off x="7611342" y="5699866"/>
-              <a:ext cx="248622" cy="81691"/>
-            </a:xfrm>
-            <a:prstGeom prst="rect">
-              <a:avLst/>
-            </a:prstGeom>
-            <a:noFill/>
-          </p:spPr>
-          <p:txBody>
-            <a:bodyPr lIns="0" rIns="0" tIns="0" bIns="0" anchorCtr="1" anchor="ctr" wrap="none"/>
-            <a:lstStyle/>
-            <a:p>
-              <a:pPr algn="l" marL="0" marR="0" indent="0">
-                <a:lnSpc>
-                  <a:spcPts val="880"/>
-                </a:lnSpc>
-                <a:spcBef>
-                  <a:spcPts val="0"/>
-                </a:spcBef>
-                <a:spcAft>
-                  <a:spcPts val="0"/>
-                </a:spcAft>
-              </a:pPr>
-              <a:r>
-                <a:rPr sz="880">
-                  <a:solidFill>
-                    <a:srgbClr val="4D4D4D">
-                      <a:alpha val="100000"/>
-                    </a:srgbClr>
-                  </a:solidFill>
-                  <a:latin typeface="Arial"/>
-                  <a:cs typeface="Arial"/>
-                </a:rPr>
-                <a:t>5000</a:t>
-              </a:r>
-            </a:p>
-          </p:txBody>
-        </p:sp>
-        <p:sp>
-          <p:nvSpPr>
-            <p:cNvPr id="73" name="tx73"/>
-            <p:cNvSpPr/>
-            <p:nvPr/>
-          </p:nvSpPr>
-          <p:spPr>
-            <a:xfrm>
-              <a:off x="8753763" y="5699866"/>
-              <a:ext cx="248622" cy="81691"/>
-            </a:xfrm>
-            <a:prstGeom prst="rect">
-              <a:avLst/>
-            </a:prstGeom>
-            <a:noFill/>
-          </p:spPr>
-          <p:txBody>
-            <a:bodyPr lIns="0" rIns="0" tIns="0" bIns="0" anchorCtr="1" anchor="ctr" wrap="none"/>
-            <a:lstStyle/>
-            <a:p>
-              <a:pPr algn="l" marL="0" marR="0" indent="0">
-                <a:lnSpc>
-                  <a:spcPts val="880"/>
-                </a:lnSpc>
-                <a:spcBef>
-                  <a:spcPts val="0"/>
-                </a:spcBef>
-                <a:spcAft>
-                  <a:spcPts val="0"/>
-                </a:spcAft>
-              </a:pPr>
-              <a:r>
-                <a:rPr sz="880">
-                  <a:solidFill>
-                    <a:srgbClr val="4D4D4D">
-                      <a:alpha val="100000"/>
-                    </a:srgbClr>
-                  </a:solidFill>
-                  <a:latin typeface="Arial"/>
-                  <a:cs typeface="Arial"/>
-                </a:rPr>
-                <a:t>6000</a:t>
               </a:r>
             </a:p>
           </p:txBody>
